--- a/traning.pptx
+++ b/traning.pptx
@@ -10428,7 +10428,7 @@
               </a:rPr>
               <a:t>time</a:t>
             </a:r>
-            <a:endParaRPr sz="1400">
+            <a:endParaRPr sz="1400" dirty="0">
               <a:latin typeface="Arial"/>
               <a:cs typeface="Arial"/>
             </a:endParaRPr>
@@ -10487,7 +10487,7 @@
               </a:rPr>
               <a:t>together</a:t>
             </a:r>
-            <a:endParaRPr sz="1400">
+            <a:endParaRPr sz="1400" dirty="0">
               <a:latin typeface="Arial"/>
               <a:cs typeface="Arial"/>
             </a:endParaRPr>
@@ -10573,7 +10573,7 @@
               </a:rPr>
               <a:t>order</a:t>
             </a:r>
-            <a:endParaRPr sz="1400">
+            <a:endParaRPr sz="1400" dirty="0">
               <a:latin typeface="Arial"/>
               <a:cs typeface="Arial"/>
             </a:endParaRPr>
@@ -12552,6 +12552,78 @@
           <a:lstStyle/>
           <a:p>
             <a:endParaRPr/>
+          </a:p>
+        </p:txBody>
+      </p:sp>
+      <p:sp>
+        <p:nvSpPr>
+          <p:cNvPr id="49" name="TextBox 48">
+            <a:extLst>
+              <a:ext uri="{FF2B5EF4-FFF2-40B4-BE49-F238E27FC236}">
+                <a16:creationId xmlns:a16="http://schemas.microsoft.com/office/drawing/2014/main" id="{EBC75C2A-DCAC-4504-98C4-03E4A7840E6F}"/>
+              </a:ext>
+            </a:extLst>
+          </p:cNvPr>
+          <p:cNvSpPr txBox="1"/>
+          <p:nvPr/>
+        </p:nvSpPr>
+        <p:spPr>
+          <a:xfrm>
+            <a:off x="1371600" y="1139107"/>
+            <a:ext cx="2119747" cy="369332"/>
+          </a:xfrm>
+          <a:prstGeom prst="rect">
+            <a:avLst/>
+          </a:prstGeom>
+          <a:noFill/>
+        </p:spPr>
+        <p:txBody>
+          <a:bodyPr wrap="none" rtlCol="0">
+            <a:spAutoFit/>
+          </a:bodyPr>
+          <a:lstStyle/>
+          <a:p>
+            <a:r>
+              <a:rPr lang="en-US" dirty="0"/>
+              <a:t>No Docker compose </a:t>
+            </a:r>
+            <a:endParaRPr lang="en-IN" dirty="0"/>
+          </a:p>
+        </p:txBody>
+      </p:sp>
+      <p:sp>
+        <p:nvSpPr>
+          <p:cNvPr id="50" name="TextBox 49">
+            <a:extLst>
+              <a:ext uri="{FF2B5EF4-FFF2-40B4-BE49-F238E27FC236}">
+                <a16:creationId xmlns:a16="http://schemas.microsoft.com/office/drawing/2014/main" id="{5D129DAB-5992-4EB3-87C8-0B8BBF22CA5D}"/>
+              </a:ext>
+            </a:extLst>
+          </p:cNvPr>
+          <p:cNvSpPr txBox="1"/>
+          <p:nvPr/>
+        </p:nvSpPr>
+        <p:spPr>
+          <a:xfrm>
+            <a:off x="5562600" y="1135618"/>
+            <a:ext cx="2305696" cy="369332"/>
+          </a:xfrm>
+          <a:prstGeom prst="rect">
+            <a:avLst/>
+          </a:prstGeom>
+          <a:noFill/>
+        </p:spPr>
+        <p:txBody>
+          <a:bodyPr wrap="none" rtlCol="0">
+            <a:spAutoFit/>
+          </a:bodyPr>
+          <a:lstStyle/>
+          <a:p>
+            <a:r>
+              <a:rPr lang="en-US" dirty="0"/>
+              <a:t>With Docker compose </a:t>
+            </a:r>
+            <a:endParaRPr lang="en-IN" dirty="0"/>
           </a:p>
         </p:txBody>
       </p:sp>
@@ -13218,20 +13290,20 @@
           </a:p>
           <a:p>
             <a:r>
+              <a:rPr lang="en-US" sz="1200" b="1" dirty="0"/>
+              <a:t>services:</a:t>
+            </a:r>
+          </a:p>
+          <a:p>
+            <a:r>
               <a:rPr lang="en-US" sz="1200" dirty="0"/>
-              <a:t>services:</a:t>
+              <a:t>  angular: # name of the first service</a:t>
             </a:r>
           </a:p>
           <a:p>
             <a:r>
               <a:rPr lang="en-US" sz="1200" dirty="0"/>
-              <a:t>angular: # name of the first service</a:t>
-            </a:r>
-          </a:p>
-          <a:p>
-            <a:r>
-              <a:rPr lang="en-US" sz="1200" dirty="0"/>
-              <a:t>build: client # specify the directory of the </a:t>
+              <a:t>    build: client # specify the directory of the </a:t>
             </a:r>
             <a:r>
               <a:rPr lang="en-US" sz="1200" dirty="0" err="1"/>
@@ -13242,19 +13314,14 @@
           <a:p>
             <a:r>
               <a:rPr lang="en-US" sz="1200" dirty="0"/>
-              <a:t>ports:</a:t>
+              <a:t>    ports:</a:t>
             </a:r>
           </a:p>
           <a:p>
             <a:r>
               <a:rPr lang="en-US" sz="1200" dirty="0"/>
-              <a:t>- "4200:4200" # specify port </a:t>
-            </a:r>
-            <a:r>
-              <a:rPr lang="en-US" sz="1200" dirty="0" err="1"/>
-              <a:t>forewarding</a:t>
-            </a:r>
-            <a:endParaRPr lang="en-US" sz="1200" dirty="0"/>
+              <a:t>      - "4200:4200" # specify port forwarding</a:t>
+            </a:r>
           </a:p>
           <a:p>
             <a:br>
@@ -13262,13 +13329,21 @@
             </a:br>
             <a:r>
               <a:rPr lang="en-US" sz="1200" dirty="0"/>
-              <a:t>express: #name of the second service</a:t>
-            </a:r>
-          </a:p>
-          <a:p>
+              <a:t>  </a:t>
+            </a:r>
+            <a:r>
+              <a:rPr lang="en-US" sz="1200" b="1" dirty="0"/>
+              <a:t>express: </a:t>
+            </a:r>
             <a:r>
               <a:rPr lang="en-US" sz="1200" dirty="0"/>
-              <a:t>build: </a:t>
+              <a:t>#name of the second service</a:t>
+            </a:r>
+          </a:p>
+          <a:p>
+            <a:r>
+              <a:rPr lang="en-US" sz="1200" dirty="0"/>
+              <a:t>    build: </a:t>
             </a:r>
             <a:r>
               <a:rPr lang="en-US" sz="1200" dirty="0" err="1"/>
@@ -13287,49 +13362,48 @@
           <a:p>
             <a:r>
               <a:rPr lang="en-US" sz="1200" dirty="0"/>
-              <a:t>ports:</a:t>
+              <a:t>    ports:</a:t>
             </a:r>
           </a:p>
           <a:p>
             <a:r>
               <a:rPr lang="en-US" sz="1200" dirty="0"/>
-              <a:t>- "3977:3977" #specify ports </a:t>
-            </a:r>
-            <a:r>
-              <a:rPr lang="en-US" sz="1200" dirty="0" err="1"/>
-              <a:t>forewarding</a:t>
-            </a:r>
-            <a:endParaRPr lang="en-US" sz="1200" dirty="0"/>
+              <a:t>      - "3977:3977" #specify ports forwarding</a:t>
+            </a:r>
           </a:p>
           <a:p>
             <a:br>
               <a:rPr lang="en-US" sz="1200" dirty="0"/>
             </a:br>
             <a:r>
+              <a:rPr lang="en-US" sz="1200" b="1" dirty="0"/>
+              <a:t>  database: </a:t>
+            </a:r>
+            <a:r>
               <a:rPr lang="en-US" sz="1200" dirty="0"/>
-              <a:t>database: # name of the third service</a:t>
+              <a:t># name of the third service</a:t>
             </a:r>
           </a:p>
           <a:p>
             <a:r>
               <a:rPr lang="en-US" sz="1200" dirty="0"/>
-              <a:t>image: mongo # specify image to build container from</a:t>
+              <a:t>    image: mongo # specify image to build container from</a:t>
             </a:r>
           </a:p>
           <a:p>
             <a:r>
               <a:rPr lang="en-US" sz="1200" dirty="0"/>
-              <a:t>ports:</a:t>
+              <a:t>    ports:</a:t>
             </a:r>
           </a:p>
           <a:p>
             <a:r>
               <a:rPr lang="en-US" sz="1200" dirty="0"/>
-              <a:t>- "27017:27017" # specify port </a:t>
-            </a:r>
-            <a:r>
-              <a:rPr lang="en-US" sz="1200" dirty="0" err="1"/>
-              <a:t>forewarding</a:t>
+              <a:t>      - "27017:27017" # specify </a:t>
+            </a:r>
+            <a:r>
+              <a:rPr lang="en-US" sz="1200"/>
+              <a:t>port forwarding</a:t>
             </a:r>
             <a:endParaRPr lang="en-US" sz="1200" dirty="0"/>
           </a:p>
